--- a/Introduction to Optimization.pptx
+++ b/Introduction to Optimization.pptx
@@ -10,6 +10,11 @@
     <p:sldId id="258" r:id="rId4"/>
     <p:sldId id="259" r:id="rId5"/>
     <p:sldId id="260" r:id="rId6"/>
+    <p:sldId id="261" r:id="rId7"/>
+    <p:sldId id="262" r:id="rId8"/>
+    <p:sldId id="263" r:id="rId9"/>
+    <p:sldId id="264" r:id="rId10"/>
+    <p:sldId id="265" r:id="rId11"/>
   </p:sldIdLst>
   <p:sldSz cx="12192000" cy="6858000"/>
   <p:notesSz cx="6858000" cy="9144000"/>
@@ -108,6 +113,11 @@
       </a:defRPr>
     </a:lvl9pPr>
   </p:defaultTextStyle>
+  <p:extLst>
+    <p:ext uri="{EFAFB233-063F-42B5-8137-9DF3F51BA10A}">
+      <p15:sldGuideLst xmlns:p15="http://schemas.microsoft.com/office/powerpoint/2012/main"/>
+    </p:ext>
+  </p:extLst>
 </p:presentation>
 </file>
 
@@ -242,7 +252,7 @@
           <a:p>
             <a:fld id="{0FC96F7D-F2A7-451B-A9C5-996D2F5367CC}" type="datetimeFigureOut">
               <a:rPr lang="en-US" smtClean="0"/>
-              <a:t>4/9/2020</a:t>
+              <a:t>4/10/2020</a:t>
             </a:fld>
             <a:endParaRPr lang="en-US"/>
           </a:p>
@@ -412,7 +422,7 @@
           <a:p>
             <a:fld id="{0FC96F7D-F2A7-451B-A9C5-996D2F5367CC}" type="datetimeFigureOut">
               <a:rPr lang="en-US" smtClean="0"/>
-              <a:t>4/9/2020</a:t>
+              <a:t>4/10/2020</a:t>
             </a:fld>
             <a:endParaRPr lang="en-US"/>
           </a:p>
@@ -592,7 +602,7 @@
           <a:p>
             <a:fld id="{0FC96F7D-F2A7-451B-A9C5-996D2F5367CC}" type="datetimeFigureOut">
               <a:rPr lang="en-US" smtClean="0"/>
-              <a:t>4/9/2020</a:t>
+              <a:t>4/10/2020</a:t>
             </a:fld>
             <a:endParaRPr lang="en-US"/>
           </a:p>
@@ -762,7 +772,7 @@
           <a:p>
             <a:fld id="{0FC96F7D-F2A7-451B-A9C5-996D2F5367CC}" type="datetimeFigureOut">
               <a:rPr lang="en-US" smtClean="0"/>
-              <a:t>4/9/2020</a:t>
+              <a:t>4/10/2020</a:t>
             </a:fld>
             <a:endParaRPr lang="en-US"/>
           </a:p>
@@ -1008,7 +1018,7 @@
           <a:p>
             <a:fld id="{0FC96F7D-F2A7-451B-A9C5-996D2F5367CC}" type="datetimeFigureOut">
               <a:rPr lang="en-US" smtClean="0"/>
-              <a:t>4/9/2020</a:t>
+              <a:t>4/10/2020</a:t>
             </a:fld>
             <a:endParaRPr lang="en-US"/>
           </a:p>
@@ -1240,7 +1250,7 @@
           <a:p>
             <a:fld id="{0FC96F7D-F2A7-451B-A9C5-996D2F5367CC}" type="datetimeFigureOut">
               <a:rPr lang="en-US" smtClean="0"/>
-              <a:t>4/9/2020</a:t>
+              <a:t>4/10/2020</a:t>
             </a:fld>
             <a:endParaRPr lang="en-US"/>
           </a:p>
@@ -1607,7 +1617,7 @@
           <a:p>
             <a:fld id="{0FC96F7D-F2A7-451B-A9C5-996D2F5367CC}" type="datetimeFigureOut">
               <a:rPr lang="en-US" smtClean="0"/>
-              <a:t>4/9/2020</a:t>
+              <a:t>4/10/2020</a:t>
             </a:fld>
             <a:endParaRPr lang="en-US"/>
           </a:p>
@@ -1725,7 +1735,7 @@
           <a:p>
             <a:fld id="{0FC96F7D-F2A7-451B-A9C5-996D2F5367CC}" type="datetimeFigureOut">
               <a:rPr lang="en-US" smtClean="0"/>
-              <a:t>4/9/2020</a:t>
+              <a:t>4/10/2020</a:t>
             </a:fld>
             <a:endParaRPr lang="en-US"/>
           </a:p>
@@ -1820,7 +1830,7 @@
           <a:p>
             <a:fld id="{0FC96F7D-F2A7-451B-A9C5-996D2F5367CC}" type="datetimeFigureOut">
               <a:rPr lang="en-US" smtClean="0"/>
-              <a:t>4/9/2020</a:t>
+              <a:t>4/10/2020</a:t>
             </a:fld>
             <a:endParaRPr lang="en-US"/>
           </a:p>
@@ -2097,7 +2107,7 @@
           <a:p>
             <a:fld id="{0FC96F7D-F2A7-451B-A9C5-996D2F5367CC}" type="datetimeFigureOut">
               <a:rPr lang="en-US" smtClean="0"/>
-              <a:t>4/9/2020</a:t>
+              <a:t>4/10/2020</a:t>
             </a:fld>
             <a:endParaRPr lang="en-US"/>
           </a:p>
@@ -2350,7 +2360,7 @@
           <a:p>
             <a:fld id="{0FC96F7D-F2A7-451B-A9C5-996D2F5367CC}" type="datetimeFigureOut">
               <a:rPr lang="en-US" smtClean="0"/>
-              <a:t>4/9/2020</a:t>
+              <a:t>4/10/2020</a:t>
             </a:fld>
             <a:endParaRPr lang="en-US"/>
           </a:p>
@@ -2563,7 +2573,7 @@
           <a:p>
             <a:fld id="{0FC96F7D-F2A7-451B-A9C5-996D2F5367CC}" type="datetimeFigureOut">
               <a:rPr lang="en-US" smtClean="0"/>
-              <a:t>4/9/2020</a:t>
+              <a:t>4/10/2020</a:t>
             </a:fld>
             <a:endParaRPr lang="en-US"/>
           </a:p>
@@ -3040,6 +3050,190 @@
 </p:sld>
 </file>
 
+<file path=ppt/slides/slide10.xml><?xml version="1.0" encoding="utf-8"?>
+<p:sld xmlns:a="http://schemas.openxmlformats.org/drawingml/2006/main" xmlns:r="http://schemas.openxmlformats.org/officeDocument/2006/relationships" xmlns:p="http://schemas.openxmlformats.org/presentationml/2006/main">
+  <p:cSld>
+    <p:spTree>
+      <p:nvGrpSpPr>
+        <p:cNvPr id="1" name=""/>
+        <p:cNvGrpSpPr/>
+        <p:nvPr/>
+      </p:nvGrpSpPr>
+      <p:grpSpPr>
+        <a:xfrm>
+          <a:off x="0" y="0"/>
+          <a:ext cx="0" cy="0"/>
+          <a:chOff x="0" y="0"/>
+          <a:chExt cx="0" cy="0"/>
+        </a:xfrm>
+      </p:grpSpPr>
+      <p:sp>
+        <p:nvSpPr>
+          <p:cNvPr id="2" name="Title 1"/>
+          <p:cNvSpPr>
+            <a:spLocks noGrp="1"/>
+          </p:cNvSpPr>
+          <p:nvPr>
+            <p:ph type="title"/>
+          </p:nvPr>
+        </p:nvSpPr>
+        <p:spPr/>
+        <p:txBody>
+          <a:bodyPr/>
+          <a:lstStyle/>
+          <a:p>
+            <a:r>
+              <a:rPr lang="en-US" dirty="0" smtClean="0"/>
+              <a:t>Homework:</a:t>
+            </a:r>
+            <a:endParaRPr lang="en-US" dirty="0"/>
+          </a:p>
+        </p:txBody>
+      </p:sp>
+      <p:sp>
+        <p:nvSpPr>
+          <p:cNvPr id="3" name="Content Placeholder 2"/>
+          <p:cNvSpPr>
+            <a:spLocks noGrp="1"/>
+          </p:cNvSpPr>
+          <p:nvPr>
+            <p:ph idx="1"/>
+          </p:nvPr>
+        </p:nvSpPr>
+        <p:spPr/>
+        <p:txBody>
+          <a:bodyPr>
+            <a:normAutofit lnSpcReduction="10000"/>
+          </a:bodyPr>
+          <a:lstStyle/>
+          <a:p>
+            <a:r>
+              <a:rPr lang="en-US" dirty="0" smtClean="0"/>
+              <a:t>1.  Find values for x and y that </a:t>
+            </a:r>
+          </a:p>
+          <a:p>
+            <a:pPr lvl="1"/>
+            <a:r>
+              <a:rPr lang="en-US" dirty="0" smtClean="0"/>
+              <a:t>Maximize 6x + 5y, subject to</a:t>
+            </a:r>
+          </a:p>
+          <a:p>
+            <a:pPr lvl="1"/>
+            <a:r>
+              <a:rPr lang="en-US" dirty="0" smtClean="0"/>
+              <a:t>x + y ≤ 5</a:t>
+            </a:r>
+          </a:p>
+          <a:p>
+            <a:pPr lvl="1"/>
+            <a:r>
+              <a:rPr lang="en-US" dirty="0" smtClean="0"/>
+              <a:t>3x + 2y </a:t>
+            </a:r>
+            <a:r>
+              <a:rPr lang="en-US" dirty="0"/>
+              <a:t>≤ </a:t>
+            </a:r>
+            <a:r>
+              <a:rPr lang="en-US" dirty="0" smtClean="0"/>
+              <a:t>12</a:t>
+            </a:r>
+          </a:p>
+          <a:p>
+            <a:pPr lvl="1"/>
+            <a:endParaRPr lang="en-US" dirty="0" smtClean="0"/>
+          </a:p>
+          <a:p>
+            <a:pPr lvl="1"/>
+            <a:endParaRPr lang="en-US" dirty="0"/>
+          </a:p>
+          <a:p>
+            <a:r>
+              <a:rPr lang="en-US" dirty="0" smtClean="0"/>
+              <a:t>2. </a:t>
+            </a:r>
+            <a:r>
+              <a:rPr lang="en-US" dirty="0"/>
+              <a:t> </a:t>
+            </a:r>
+            <a:r>
+              <a:rPr lang="en-US" dirty="0" smtClean="0"/>
+              <a:t>Find values for x and y that</a:t>
+            </a:r>
+          </a:p>
+          <a:p>
+            <a:pPr lvl="1"/>
+            <a:r>
+              <a:rPr lang="en-US" dirty="0" smtClean="0"/>
+              <a:t>Minimize 4x + y, subject to</a:t>
+            </a:r>
+          </a:p>
+          <a:p>
+            <a:pPr lvl="1"/>
+            <a:r>
+              <a:rPr lang="en-US" dirty="0" smtClean="0"/>
+              <a:t>3x+y ≥ 10</a:t>
+            </a:r>
+          </a:p>
+          <a:p>
+            <a:pPr lvl="1"/>
+            <a:r>
+              <a:rPr lang="en-US" dirty="0" smtClean="0"/>
+              <a:t>x + y </a:t>
+            </a:r>
+            <a:r>
+              <a:rPr lang="en-US" dirty="0"/>
+              <a:t>≥ </a:t>
+            </a:r>
+            <a:r>
+              <a:rPr lang="en-US" dirty="0" smtClean="0"/>
+              <a:t>5</a:t>
+            </a:r>
+          </a:p>
+          <a:p>
+            <a:pPr lvl="1"/>
+            <a:r>
+              <a:rPr lang="en-US" dirty="0" smtClean="0"/>
+              <a:t>x </a:t>
+            </a:r>
+            <a:r>
+              <a:rPr lang="en-US" dirty="0"/>
+              <a:t>≥ </a:t>
+            </a:r>
+            <a:r>
+              <a:rPr lang="en-US" dirty="0" smtClean="0"/>
+              <a:t>3</a:t>
+            </a:r>
+            <a:endParaRPr lang="en-US" dirty="0"/>
+          </a:p>
+          <a:p>
+            <a:pPr lvl="1"/>
+            <a:endParaRPr lang="en-US" dirty="0"/>
+          </a:p>
+        </p:txBody>
+      </p:sp>
+    </p:spTree>
+    <p:extLst>
+      <p:ext uri="{BB962C8B-B14F-4D97-AF65-F5344CB8AC3E}">
+        <p14:creationId xmlns:p14="http://schemas.microsoft.com/office/powerpoint/2010/main" val="286958175"/>
+      </p:ext>
+    </p:extLst>
+  </p:cSld>
+  <p:clrMapOvr>
+    <a:masterClrMapping/>
+  </p:clrMapOvr>
+  <p:timing>
+    <p:tnLst>
+      <p:par>
+        <p:cTn id="1" dur="indefinite" restart="never" nodeType="tmRoot"/>
+      </p:par>
+    </p:tnLst>
+  </p:timing>
+</p:sld>
+</file>
+
 <file path=ppt/slides/slide2.xml><?xml version="1.0" encoding="utf-8"?>
 <p:sld xmlns:a="http://schemas.openxmlformats.org/drawingml/2006/main" xmlns:r="http://schemas.openxmlformats.org/officeDocument/2006/relationships" xmlns:p="http://schemas.openxmlformats.org/presentationml/2006/main">
   <p:cSld>
@@ -3187,7 +3381,7 @@
           <p:nvPr>
             <p:extLst>
               <p:ext uri="{D42A27DB-BD31-4B8C-83A1-F6EECF244321}">
-                <p14:modId xmlns:p14="http://schemas.microsoft.com/office/powerpoint/2010/main" val="1913000622"/>
+                <p14:modId xmlns:p14="http://schemas.microsoft.com/office/powerpoint/2010/main" val="1529068308"/>
               </p:ext>
             </p:extLst>
           </p:nvPr>
@@ -3224,10 +3418,10 @@
                     <a:lstStyle/>
                     <a:p>
                       <a:r>
-                        <a:rPr lang="en-US" dirty="0" smtClean="0"/>
+                        <a:rPr lang="en-US" b="1" dirty="0" smtClean="0"/>
                         <a:t>Discrete</a:t>
                       </a:r>
-                      <a:endParaRPr lang="en-US" dirty="0"/>
+                      <a:endParaRPr lang="en-US" b="1" dirty="0"/>
                     </a:p>
                   </a:txBody>
                   <a:tcPr/>
@@ -3238,10 +3432,10 @@
                     <a:lstStyle/>
                     <a:p>
                       <a:r>
-                        <a:rPr lang="en-US" dirty="0" smtClean="0"/>
+                        <a:rPr lang="en-US" b="1" dirty="0" smtClean="0"/>
                         <a:t>Continuous</a:t>
                       </a:r>
-                      <a:endParaRPr lang="en-US" dirty="0"/>
+                      <a:endParaRPr lang="en-US" b="1" dirty="0"/>
                     </a:p>
                   </a:txBody>
                   <a:tcPr/>
@@ -3254,12 +3448,16 @@
                     <a:lstStyle/>
                     <a:p>
                       <a:r>
-                        <a:rPr lang="en-US" dirty="0" smtClean="0"/>
+                        <a:rPr lang="en-US" b="1" dirty="0" smtClean="0"/>
                         <a:t>Solution</a:t>
                       </a:r>
                       <a:r>
+                        <a:rPr lang="en-US" b="1" baseline="0" dirty="0" smtClean="0"/>
+                        <a:t> space</a:t>
+                      </a:r>
+                      <a:r>
                         <a:rPr lang="en-US" baseline="0" dirty="0" smtClean="0"/>
-                        <a:t> space:</a:t>
+                        <a:t>:</a:t>
                       </a:r>
                       <a:endParaRPr lang="en-US" dirty="0"/>
                     </a:p>
@@ -3574,11 +3772,7 @@
             <a:pPr lvl="1"/>
             <a:r>
               <a:rPr lang="en-US" dirty="0" smtClean="0"/>
-              <a:t>3T + 1C </a:t>
-            </a:r>
-            <a:r>
-              <a:rPr lang="en-US" dirty="0" smtClean="0"/>
-              <a:t>≤ 9000   -- wood constraint, 9000 ft</a:t>
+              <a:t>3T + 1C ≤ 9000   -- wood constraint, 9000 ft</a:t>
             </a:r>
             <a:r>
               <a:rPr lang="en-US" baseline="30000" dirty="0" smtClean="0"/>
@@ -3703,10 +3897,732 @@
           </a:prstGeom>
         </p:spPr>
       </p:pic>
+      <p:sp>
+        <p:nvSpPr>
+          <p:cNvPr id="3" name="TextBox 2"/>
+          <p:cNvSpPr txBox="1"/>
+          <p:nvPr/>
+        </p:nvSpPr>
+        <p:spPr>
+          <a:xfrm>
+            <a:off x="3539067" y="4148667"/>
+            <a:ext cx="1422400" cy="372533"/>
+          </a:xfrm>
+          <a:prstGeom prst="rect">
+            <a:avLst/>
+          </a:prstGeom>
+          <a:noFill/>
+        </p:spPr>
+        <p:txBody>
+          <a:bodyPr wrap="square" rtlCol="0">
+            <a:spAutoFit/>
+          </a:bodyPr>
+          <a:lstStyle/>
+          <a:p>
+            <a:r>
+              <a:rPr lang="en-US" dirty="0" smtClean="0"/>
+              <a:t>Profit=8400</a:t>
+            </a:r>
+            <a:endParaRPr lang="en-US" dirty="0"/>
+          </a:p>
+        </p:txBody>
+      </p:sp>
+      <p:sp>
+        <p:nvSpPr>
+          <p:cNvPr id="5" name="TextBox 4"/>
+          <p:cNvSpPr txBox="1"/>
+          <p:nvPr/>
+        </p:nvSpPr>
+        <p:spPr>
+          <a:xfrm>
+            <a:off x="6620933" y="4690533"/>
+            <a:ext cx="1998134" cy="369332"/>
+          </a:xfrm>
+          <a:prstGeom prst="rect">
+            <a:avLst/>
+          </a:prstGeom>
+          <a:noFill/>
+        </p:spPr>
+        <p:txBody>
+          <a:bodyPr wrap="square" rtlCol="0">
+            <a:spAutoFit/>
+          </a:bodyPr>
+          <a:lstStyle/>
+          <a:p>
+            <a:r>
+              <a:rPr lang="en-US" dirty="0" smtClean="0"/>
+              <a:t>Profit=19000</a:t>
+            </a:r>
+            <a:endParaRPr lang="en-US" dirty="0"/>
+          </a:p>
+        </p:txBody>
+      </p:sp>
     </p:spTree>
     <p:extLst>
       <p:ext uri="{BB962C8B-B14F-4D97-AF65-F5344CB8AC3E}">
         <p14:creationId xmlns:p14="http://schemas.microsoft.com/office/powerpoint/2010/main" val="3998317336"/>
+      </p:ext>
+    </p:extLst>
+  </p:cSld>
+  <p:clrMapOvr>
+    <a:masterClrMapping/>
+  </p:clrMapOvr>
+  <p:timing>
+    <p:tnLst>
+      <p:par>
+        <p:cTn id="1" dur="indefinite" restart="never" nodeType="tmRoot"/>
+      </p:par>
+    </p:tnLst>
+  </p:timing>
+</p:sld>
+</file>
+
+<file path=ppt/slides/slide6.xml><?xml version="1.0" encoding="utf-8"?>
+<p:sld xmlns:a="http://schemas.openxmlformats.org/drawingml/2006/main" xmlns:r="http://schemas.openxmlformats.org/officeDocument/2006/relationships" xmlns:p="http://schemas.openxmlformats.org/presentationml/2006/main">
+  <p:cSld>
+    <p:spTree>
+      <p:nvGrpSpPr>
+        <p:cNvPr id="1" name=""/>
+        <p:cNvGrpSpPr/>
+        <p:nvPr/>
+      </p:nvGrpSpPr>
+      <p:grpSpPr>
+        <a:xfrm>
+          <a:off x="0" y="0"/>
+          <a:ext cx="0" cy="0"/>
+          <a:chOff x="0" y="0"/>
+          <a:chExt cx="0" cy="0"/>
+        </a:xfrm>
+      </p:grpSpPr>
+      <p:sp>
+        <p:nvSpPr>
+          <p:cNvPr id="2" name="Title 1"/>
+          <p:cNvSpPr>
+            <a:spLocks noGrp="1"/>
+          </p:cNvSpPr>
+          <p:nvPr>
+            <p:ph type="title"/>
+          </p:nvPr>
+        </p:nvSpPr>
+        <p:spPr/>
+        <p:txBody>
+          <a:bodyPr/>
+          <a:lstStyle/>
+          <a:p>
+            <a:r>
+              <a:rPr lang="en-US" dirty="0" smtClean="0"/>
+              <a:t>Answer:  find the highest profit </a:t>
+            </a:r>
+            <a:endParaRPr lang="en-US" dirty="0"/>
+          </a:p>
+        </p:txBody>
+      </p:sp>
+      <p:sp>
+        <p:nvSpPr>
+          <p:cNvPr id="3" name="Content Placeholder 2"/>
+          <p:cNvSpPr>
+            <a:spLocks noGrp="1"/>
+          </p:cNvSpPr>
+          <p:nvPr>
+            <p:ph idx="1"/>
+          </p:nvPr>
+        </p:nvSpPr>
+        <p:spPr/>
+        <p:txBody>
+          <a:bodyPr/>
+          <a:lstStyle/>
+          <a:p>
+            <a:r>
+              <a:rPr lang="en-US" dirty="0" smtClean="0"/>
+              <a:t>Greatest profit:  highest profit that is in the feasibility region</a:t>
+            </a:r>
+          </a:p>
+          <a:p>
+            <a:r>
+              <a:rPr lang="en-US" dirty="0" smtClean="0"/>
+              <a:t>Feasibility region: points on the ‘chairs-tables’ space that can be produced: that is there is sufficient labor and wood to produce the combination</a:t>
+            </a:r>
+          </a:p>
+          <a:p>
+            <a:r>
+              <a:rPr lang="en-US" dirty="0" smtClean="0"/>
+              <a:t>In the following graph ‘X’ cannot be produced ‘O’ can.</a:t>
+            </a:r>
+            <a:endParaRPr lang="en-US" dirty="0"/>
+          </a:p>
+        </p:txBody>
+      </p:sp>
+    </p:spTree>
+    <p:extLst>
+      <p:ext uri="{BB962C8B-B14F-4D97-AF65-F5344CB8AC3E}">
+        <p14:creationId xmlns:p14="http://schemas.microsoft.com/office/powerpoint/2010/main" val="1868355659"/>
+      </p:ext>
+    </p:extLst>
+  </p:cSld>
+  <p:clrMapOvr>
+    <a:masterClrMapping/>
+  </p:clrMapOvr>
+  <p:timing>
+    <p:tnLst>
+      <p:par>
+        <p:cTn id="1" dur="indefinite" restart="never" nodeType="tmRoot"/>
+      </p:par>
+    </p:tnLst>
+  </p:timing>
+</p:sld>
+</file>
+
+<file path=ppt/slides/slide7.xml><?xml version="1.0" encoding="utf-8"?>
+<p:sld xmlns:a="http://schemas.openxmlformats.org/drawingml/2006/main" xmlns:r="http://schemas.openxmlformats.org/officeDocument/2006/relationships" xmlns:p="http://schemas.openxmlformats.org/presentationml/2006/main">
+  <p:cSld>
+    <p:spTree>
+      <p:nvGrpSpPr>
+        <p:cNvPr id="1" name=""/>
+        <p:cNvGrpSpPr/>
+        <p:nvPr/>
+      </p:nvGrpSpPr>
+      <p:grpSpPr>
+        <a:xfrm>
+          <a:off x="0" y="0"/>
+          <a:ext cx="0" cy="0"/>
+          <a:chOff x="0" y="0"/>
+          <a:chExt cx="0" cy="0"/>
+        </a:xfrm>
+      </p:grpSpPr>
+      <p:sp>
+        <p:nvSpPr>
+          <p:cNvPr id="2" name="Title 1"/>
+          <p:cNvSpPr>
+            <a:spLocks noGrp="1"/>
+          </p:cNvSpPr>
+          <p:nvPr>
+            <p:ph type="title"/>
+          </p:nvPr>
+        </p:nvSpPr>
+        <p:spPr>
+          <a:xfrm>
+            <a:off x="889000" y="335994"/>
+            <a:ext cx="10515600" cy="1325563"/>
+          </a:xfrm>
+        </p:spPr>
+        <p:txBody>
+          <a:bodyPr/>
+          <a:lstStyle/>
+          <a:p>
+            <a:r>
+              <a:rPr lang="en-US" dirty="0" smtClean="0"/>
+              <a:t>Feasibility region</a:t>
+            </a:r>
+            <a:endParaRPr lang="en-US" dirty="0"/>
+          </a:p>
+        </p:txBody>
+      </p:sp>
+      <p:pic>
+        <p:nvPicPr>
+          <p:cNvPr id="5" name="Content Placeholder 4"/>
+          <p:cNvPicPr>
+            <a:picLocks noGrp="1" noChangeAspect="1"/>
+          </p:cNvPicPr>
+          <p:nvPr>
+            <p:ph idx="1"/>
+          </p:nvPr>
+        </p:nvPicPr>
+        <p:blipFill>
+          <a:blip r:embed="rId2"/>
+          <a:stretch>
+            <a:fillRect/>
+          </a:stretch>
+        </p:blipFill>
+        <p:spPr>
+          <a:xfrm>
+            <a:off x="4034100" y="1944158"/>
+            <a:ext cx="3920599" cy="4351338"/>
+          </a:xfrm>
+          <a:prstGeom prst="rect">
+            <a:avLst/>
+          </a:prstGeom>
+        </p:spPr>
+      </p:pic>
+      <p:sp>
+        <p:nvSpPr>
+          <p:cNvPr id="6" name="TextBox 5"/>
+          <p:cNvSpPr txBox="1"/>
+          <p:nvPr/>
+        </p:nvSpPr>
+        <p:spPr>
+          <a:xfrm>
+            <a:off x="6417733" y="2946400"/>
+            <a:ext cx="592667" cy="369332"/>
+          </a:xfrm>
+          <a:prstGeom prst="rect">
+            <a:avLst/>
+          </a:prstGeom>
+          <a:noFill/>
+        </p:spPr>
+        <p:txBody>
+          <a:bodyPr wrap="square" rtlCol="0">
+            <a:spAutoFit/>
+          </a:bodyPr>
+          <a:lstStyle/>
+          <a:p>
+            <a:r>
+              <a:rPr lang="en-US" dirty="0" smtClean="0"/>
+              <a:t>X</a:t>
+            </a:r>
+            <a:endParaRPr lang="en-US" dirty="0"/>
+          </a:p>
+        </p:txBody>
+      </p:sp>
+      <p:sp>
+        <p:nvSpPr>
+          <p:cNvPr id="7" name="TextBox 6"/>
+          <p:cNvSpPr txBox="1"/>
+          <p:nvPr/>
+        </p:nvSpPr>
+        <p:spPr>
+          <a:xfrm>
+            <a:off x="5520267" y="4318000"/>
+            <a:ext cx="474133" cy="369332"/>
+          </a:xfrm>
+          <a:prstGeom prst="rect">
+            <a:avLst/>
+          </a:prstGeom>
+          <a:noFill/>
+        </p:spPr>
+        <p:txBody>
+          <a:bodyPr wrap="square" rtlCol="0">
+            <a:spAutoFit/>
+          </a:bodyPr>
+          <a:lstStyle/>
+          <a:p>
+            <a:r>
+              <a:rPr lang="en-US" dirty="0" smtClean="0"/>
+              <a:t>O</a:t>
+            </a:r>
+            <a:endParaRPr lang="en-US" dirty="0"/>
+          </a:p>
+        </p:txBody>
+      </p:sp>
+      <p:sp>
+        <p:nvSpPr>
+          <p:cNvPr id="8" name="TextBox 7"/>
+          <p:cNvSpPr txBox="1"/>
+          <p:nvPr/>
+        </p:nvSpPr>
+        <p:spPr>
+          <a:xfrm>
+            <a:off x="889000" y="2387600"/>
+            <a:ext cx="2887133" cy="2585323"/>
+          </a:xfrm>
+          <a:prstGeom prst="rect">
+            <a:avLst/>
+          </a:prstGeom>
+          <a:noFill/>
+        </p:spPr>
+        <p:txBody>
+          <a:bodyPr wrap="square" rtlCol="0">
+            <a:spAutoFit/>
+          </a:bodyPr>
+          <a:lstStyle/>
+          <a:p>
+            <a:r>
+              <a:rPr lang="en-US" dirty="0" smtClean="0"/>
+              <a:t>Any combination of chairs, tables below </a:t>
+            </a:r>
+            <a:r>
+              <a:rPr lang="en-US" b="1" dirty="0" smtClean="0"/>
+              <a:t>BOTH </a:t>
+            </a:r>
+            <a:r>
+              <a:rPr lang="en-US" dirty="0" smtClean="0"/>
+              <a:t>lines can be produced; the region with the ‘O’</a:t>
+            </a:r>
+          </a:p>
+          <a:p>
+            <a:endParaRPr lang="en-US" b="1" dirty="0"/>
+          </a:p>
+          <a:p>
+            <a:r>
+              <a:rPr lang="en-US" dirty="0" smtClean="0"/>
+              <a:t>Any combination not in this region cannot be produced:  i.e. insufficient </a:t>
+            </a:r>
+            <a:r>
+              <a:rPr lang="en-US" dirty="0"/>
+              <a:t>l</a:t>
+            </a:r>
+            <a:r>
+              <a:rPr lang="en-US" dirty="0" smtClean="0"/>
+              <a:t>abor or wood, of as with ‘X’ both</a:t>
+            </a:r>
+            <a:endParaRPr lang="en-US" dirty="0"/>
+          </a:p>
+        </p:txBody>
+      </p:sp>
+    </p:spTree>
+    <p:extLst>
+      <p:ext uri="{BB962C8B-B14F-4D97-AF65-F5344CB8AC3E}">
+        <p14:creationId xmlns:p14="http://schemas.microsoft.com/office/powerpoint/2010/main" val="1563916179"/>
+      </p:ext>
+    </p:extLst>
+  </p:cSld>
+  <p:clrMapOvr>
+    <a:masterClrMapping/>
+  </p:clrMapOvr>
+  <p:timing>
+    <p:tnLst>
+      <p:par>
+        <p:cTn id="1" dur="indefinite" restart="never" nodeType="tmRoot"/>
+      </p:par>
+    </p:tnLst>
+  </p:timing>
+</p:sld>
+</file>
+
+<file path=ppt/slides/slide8.xml><?xml version="1.0" encoding="utf-8"?>
+<p:sld xmlns:a="http://schemas.openxmlformats.org/drawingml/2006/main" xmlns:r="http://schemas.openxmlformats.org/officeDocument/2006/relationships" xmlns:p="http://schemas.openxmlformats.org/presentationml/2006/main">
+  <p:cSld>
+    <p:spTree>
+      <p:nvGrpSpPr>
+        <p:cNvPr id="1" name=""/>
+        <p:cNvGrpSpPr/>
+        <p:nvPr/>
+      </p:nvGrpSpPr>
+      <p:grpSpPr>
+        <a:xfrm>
+          <a:off x="0" y="0"/>
+          <a:ext cx="0" cy="0"/>
+          <a:chOff x="0" y="0"/>
+          <a:chExt cx="0" cy="0"/>
+        </a:xfrm>
+      </p:grpSpPr>
+      <p:sp>
+        <p:nvSpPr>
+          <p:cNvPr id="2" name="Title 1"/>
+          <p:cNvSpPr>
+            <a:spLocks noGrp="1"/>
+          </p:cNvSpPr>
+          <p:nvPr>
+            <p:ph type="title"/>
+          </p:nvPr>
+        </p:nvSpPr>
+        <p:spPr>
+          <a:xfrm>
+            <a:off x="592667" y="365125"/>
+            <a:ext cx="10761133" cy="1325563"/>
+          </a:xfrm>
+        </p:spPr>
+        <p:txBody>
+          <a:bodyPr/>
+          <a:lstStyle/>
+          <a:p>
+            <a:r>
+              <a:rPr lang="en-US" dirty="0" smtClean="0"/>
+              <a:t>OK I get the idea… how do I find the optimum?</a:t>
+            </a:r>
+            <a:endParaRPr lang="en-US" dirty="0"/>
+          </a:p>
+        </p:txBody>
+      </p:sp>
+      <p:sp>
+        <p:nvSpPr>
+          <p:cNvPr id="3" name="Content Placeholder 2"/>
+          <p:cNvSpPr>
+            <a:spLocks noGrp="1"/>
+          </p:cNvSpPr>
+          <p:nvPr>
+            <p:ph idx="1"/>
+          </p:nvPr>
+        </p:nvSpPr>
+        <p:spPr/>
+        <p:txBody>
+          <a:bodyPr>
+            <a:normAutofit fontScale="62500" lnSpcReduction="20000"/>
+          </a:bodyPr>
+          <a:lstStyle/>
+          <a:p>
+            <a:r>
+              <a:rPr lang="en-US" dirty="0" smtClean="0"/>
+              <a:t>We use an R function,</a:t>
+            </a:r>
+          </a:p>
+          <a:p>
+            <a:endParaRPr lang="en-US" dirty="0"/>
+          </a:p>
+          <a:p>
+            <a:r>
+              <a:rPr lang="en-US" dirty="0"/>
+              <a:t># Equations:</a:t>
+            </a:r>
+          </a:p>
+          <a:p>
+            <a:r>
+              <a:rPr lang="en-US" dirty="0"/>
+              <a:t>#   Profit=12*T + 10*c</a:t>
+            </a:r>
+          </a:p>
+          <a:p>
+            <a:r>
+              <a:rPr lang="en-US" dirty="0"/>
+              <a:t>#  Wood: 10*T + 3*C &lt; 9000</a:t>
+            </a:r>
+          </a:p>
+          <a:p>
+            <a:r>
+              <a:rPr lang="en-US" dirty="0"/>
+              <a:t>#  Labor: T + 2*C &lt; 2000</a:t>
+            </a:r>
+          </a:p>
+          <a:p>
+            <a:r>
+              <a:rPr lang="en-US" dirty="0"/>
+              <a:t>  </a:t>
+            </a:r>
+          </a:p>
+          <a:p>
+            <a:endParaRPr lang="en-US" dirty="0"/>
+          </a:p>
+          <a:p>
+            <a:r>
+              <a:rPr lang="en-US" dirty="0"/>
+              <a:t># solve our Tables and Chairs:</a:t>
+            </a:r>
+          </a:p>
+          <a:p>
+            <a:r>
+              <a:rPr lang="en-US" dirty="0"/>
+              <a:t>f.obj = c(12, 10)</a:t>
+            </a:r>
+          </a:p>
+          <a:p>
+            <a:r>
+              <a:rPr lang="en-US" dirty="0" err="1"/>
+              <a:t>f.con</a:t>
+            </a:r>
+            <a:r>
+              <a:rPr lang="en-US" dirty="0"/>
+              <a:t> = matrix(c(1, 2, 10, 3), </a:t>
+            </a:r>
+            <a:r>
+              <a:rPr lang="en-US" dirty="0" err="1"/>
+              <a:t>nrow</a:t>
+            </a:r>
+            <a:r>
+              <a:rPr lang="en-US" dirty="0"/>
+              <a:t>=2, </a:t>
+            </a:r>
+            <a:r>
+              <a:rPr lang="en-US" dirty="0" err="1"/>
+              <a:t>byrow</a:t>
+            </a:r>
+            <a:r>
+              <a:rPr lang="en-US" dirty="0"/>
+              <a:t>=TRUE)</a:t>
+            </a:r>
+          </a:p>
+          <a:p>
+            <a:r>
+              <a:rPr lang="en-US" dirty="0" err="1"/>
+              <a:t>f.dir</a:t>
+            </a:r>
+            <a:r>
+              <a:rPr lang="en-US" dirty="0"/>
+              <a:t> = c( "&lt;=", "&lt;=")</a:t>
+            </a:r>
+          </a:p>
+          <a:p>
+            <a:r>
+              <a:rPr lang="en-US" dirty="0" err="1"/>
+              <a:t>f.rhs</a:t>
+            </a:r>
+            <a:r>
+              <a:rPr lang="en-US" dirty="0"/>
+              <a:t> = c(2000, 9000)</a:t>
+            </a:r>
+          </a:p>
+          <a:p>
+            <a:endParaRPr lang="en-US" dirty="0"/>
+          </a:p>
+        </p:txBody>
+      </p:sp>
+    </p:spTree>
+    <p:extLst>
+      <p:ext uri="{BB962C8B-B14F-4D97-AF65-F5344CB8AC3E}">
+        <p14:creationId xmlns:p14="http://schemas.microsoft.com/office/powerpoint/2010/main" val="3028561473"/>
+      </p:ext>
+    </p:extLst>
+  </p:cSld>
+  <p:clrMapOvr>
+    <a:masterClrMapping/>
+  </p:clrMapOvr>
+  <p:timing>
+    <p:tnLst>
+      <p:par>
+        <p:cTn id="1" dur="indefinite" restart="never" nodeType="tmRoot"/>
+      </p:par>
+    </p:tnLst>
+  </p:timing>
+</p:sld>
+</file>
+
+<file path=ppt/slides/slide9.xml><?xml version="1.0" encoding="utf-8"?>
+<p:sld xmlns:a="http://schemas.openxmlformats.org/drawingml/2006/main" xmlns:r="http://schemas.openxmlformats.org/officeDocument/2006/relationships" xmlns:p="http://schemas.openxmlformats.org/presentationml/2006/main">
+  <p:cSld>
+    <p:spTree>
+      <p:nvGrpSpPr>
+        <p:cNvPr id="1" name=""/>
+        <p:cNvGrpSpPr/>
+        <p:nvPr/>
+      </p:nvGrpSpPr>
+      <p:grpSpPr>
+        <a:xfrm>
+          <a:off x="0" y="0"/>
+          <a:ext cx="0" cy="0"/>
+          <a:chOff x="0" y="0"/>
+          <a:chExt cx="0" cy="0"/>
+        </a:xfrm>
+      </p:grpSpPr>
+      <p:sp>
+        <p:nvSpPr>
+          <p:cNvPr id="2" name="Title 1"/>
+          <p:cNvSpPr>
+            <a:spLocks noGrp="1"/>
+          </p:cNvSpPr>
+          <p:nvPr>
+            <p:ph type="title"/>
+          </p:nvPr>
+        </p:nvSpPr>
+        <p:spPr/>
+        <p:txBody>
+          <a:bodyPr/>
+          <a:lstStyle/>
+          <a:p>
+            <a:r>
+              <a:rPr lang="en-US" dirty="0" smtClean="0"/>
+              <a:t>And the solution</a:t>
+            </a:r>
+            <a:endParaRPr lang="en-US" dirty="0"/>
+          </a:p>
+        </p:txBody>
+      </p:sp>
+      <p:sp>
+        <p:nvSpPr>
+          <p:cNvPr id="3" name="Content Placeholder 2"/>
+          <p:cNvSpPr>
+            <a:spLocks noGrp="1"/>
+          </p:cNvSpPr>
+          <p:nvPr>
+            <p:ph idx="1"/>
+          </p:nvPr>
+        </p:nvSpPr>
+        <p:spPr/>
+        <p:txBody>
+          <a:bodyPr>
+            <a:normAutofit/>
+          </a:bodyPr>
+          <a:lstStyle/>
+          <a:p>
+            <a:endParaRPr lang="en-US" dirty="0"/>
+          </a:p>
+          <a:p>
+            <a:r>
+              <a:rPr lang="en-US" dirty="0" err="1"/>
+              <a:t>TCsolution</a:t>
+            </a:r>
+            <a:r>
+              <a:rPr lang="en-US" dirty="0"/>
+              <a:t> = </a:t>
+            </a:r>
+            <a:r>
+              <a:rPr lang="en-US" dirty="0" err="1"/>
+              <a:t>lp</a:t>
+            </a:r>
+            <a:r>
+              <a:rPr lang="en-US" dirty="0"/>
+              <a:t> (direction = "max", f.obj, </a:t>
+            </a:r>
+            <a:r>
+              <a:rPr lang="en-US" dirty="0" err="1"/>
+              <a:t>f.con</a:t>
+            </a:r>
+            <a:r>
+              <a:rPr lang="en-US" dirty="0"/>
+              <a:t>, </a:t>
+            </a:r>
+            <a:r>
+              <a:rPr lang="en-US" dirty="0" err="1"/>
+              <a:t>f.dir</a:t>
+            </a:r>
+            <a:r>
+              <a:rPr lang="en-US" dirty="0"/>
+              <a:t>, </a:t>
+            </a:r>
+            <a:r>
+              <a:rPr lang="en-US" dirty="0" err="1"/>
+              <a:t>f.rhs</a:t>
+            </a:r>
+            <a:r>
+              <a:rPr lang="en-US" dirty="0"/>
+              <a:t>)</a:t>
+            </a:r>
+          </a:p>
+          <a:p>
+            <a:pPr lvl="1"/>
+            <a:r>
+              <a:rPr lang="en-US" dirty="0"/>
+              <a:t>print(</a:t>
+            </a:r>
+            <a:r>
+              <a:rPr lang="en-US" dirty="0" err="1"/>
+              <a:t>TCsolution$solution</a:t>
+            </a:r>
+            <a:r>
+              <a:rPr lang="en-US" dirty="0" smtClean="0"/>
+              <a:t>)   : 706 T,   647 C</a:t>
+            </a:r>
+            <a:endParaRPr lang="en-US" dirty="0"/>
+          </a:p>
+          <a:p>
+            <a:pPr lvl="1"/>
+            <a:r>
+              <a:rPr lang="en-US" dirty="0"/>
+              <a:t>print(</a:t>
+            </a:r>
+            <a:r>
+              <a:rPr lang="en-US" dirty="0" err="1"/>
+              <a:t>TCsolution</a:t>
+            </a:r>
+            <a:r>
+              <a:rPr lang="en-US" dirty="0" smtClean="0"/>
+              <a:t>) profit = $14, 940</a:t>
+            </a:r>
+          </a:p>
+          <a:p>
+            <a:r>
+              <a:rPr lang="en-US" dirty="0" smtClean="0"/>
+              <a:t>How about when C = 4*T ?</a:t>
+            </a:r>
+          </a:p>
+          <a:p>
+            <a:pPr lvl="1"/>
+            <a:r>
+              <a:rPr lang="en-US" dirty="0" smtClean="0"/>
+              <a:t>Then  209 T, 836 C</a:t>
+            </a:r>
+          </a:p>
+          <a:p>
+            <a:pPr lvl="1"/>
+            <a:r>
+              <a:rPr lang="en-US" dirty="0" smtClean="0"/>
+              <a:t>Profit = $12,140</a:t>
+            </a:r>
+            <a:endParaRPr lang="en-US" dirty="0"/>
+          </a:p>
+        </p:txBody>
+      </p:sp>
+    </p:spTree>
+    <p:extLst>
+      <p:ext uri="{BB962C8B-B14F-4D97-AF65-F5344CB8AC3E}">
+        <p14:creationId xmlns:p14="http://schemas.microsoft.com/office/powerpoint/2010/main" val="3658669022"/>
       </p:ext>
     </p:extLst>
   </p:cSld>
